--- a/bigdata9_API3_X.pptx
+++ b/bigdata9_API3_X.pptx
@@ -251,7 +251,7 @@
           <a:p>
             <a:fld id="{2ABC02D7-CBD1-4D33-B166-78A898DF0F76}" type="datetimeFigureOut">
               <a:rPr kumimoji="1" lang="ja-JP" altLang="en-US" smtClean="0"/>
-              <a:t>2024/2/27</a:t>
+              <a:t>2024/2/29</a:t>
             </a:fld>
             <a:endParaRPr kumimoji="1" lang="ja-JP" altLang="en-US"/>
           </a:p>
@@ -453,7 +453,7 @@
           <a:p>
             <a:fld id="{2ABC02D7-CBD1-4D33-B166-78A898DF0F76}" type="datetimeFigureOut">
               <a:rPr kumimoji="1" lang="ja-JP" altLang="en-US" smtClean="0"/>
-              <a:t>2024/2/27</a:t>
+              <a:t>2024/2/29</a:t>
             </a:fld>
             <a:endParaRPr kumimoji="1" lang="ja-JP" altLang="en-US"/>
           </a:p>
@@ -665,7 +665,7 @@
           <a:p>
             <a:fld id="{2ABC02D7-CBD1-4D33-B166-78A898DF0F76}" type="datetimeFigureOut">
               <a:rPr kumimoji="1" lang="ja-JP" altLang="en-US" smtClean="0"/>
-              <a:t>2024/2/27</a:t>
+              <a:t>2024/2/29</a:t>
             </a:fld>
             <a:endParaRPr kumimoji="1" lang="ja-JP" altLang="en-US"/>
           </a:p>
@@ -867,7 +867,7 @@
           <a:p>
             <a:fld id="{2ABC02D7-CBD1-4D33-B166-78A898DF0F76}" type="datetimeFigureOut">
               <a:rPr kumimoji="1" lang="ja-JP" altLang="en-US" smtClean="0"/>
-              <a:t>2024/2/27</a:t>
+              <a:t>2024/2/29</a:t>
             </a:fld>
             <a:endParaRPr kumimoji="1" lang="ja-JP" altLang="en-US"/>
           </a:p>
@@ -1113,7 +1113,7 @@
           <a:p>
             <a:fld id="{2ABC02D7-CBD1-4D33-B166-78A898DF0F76}" type="datetimeFigureOut">
               <a:rPr kumimoji="1" lang="ja-JP" altLang="en-US" smtClean="0"/>
-              <a:t>2024/2/27</a:t>
+              <a:t>2024/2/29</a:t>
             </a:fld>
             <a:endParaRPr kumimoji="1" lang="ja-JP" altLang="en-US"/>
           </a:p>
@@ -1409,7 +1409,7 @@
           <a:p>
             <a:fld id="{2ABC02D7-CBD1-4D33-B166-78A898DF0F76}" type="datetimeFigureOut">
               <a:rPr kumimoji="1" lang="ja-JP" altLang="en-US" smtClean="0"/>
-              <a:t>2024/2/27</a:t>
+              <a:t>2024/2/29</a:t>
             </a:fld>
             <a:endParaRPr kumimoji="1" lang="ja-JP" altLang="en-US"/>
           </a:p>
@@ -1840,7 +1840,7 @@
           <a:p>
             <a:fld id="{2ABC02D7-CBD1-4D33-B166-78A898DF0F76}" type="datetimeFigureOut">
               <a:rPr kumimoji="1" lang="ja-JP" altLang="en-US" smtClean="0"/>
-              <a:t>2024/2/27</a:t>
+              <a:t>2024/2/29</a:t>
             </a:fld>
             <a:endParaRPr kumimoji="1" lang="ja-JP" altLang="en-US"/>
           </a:p>
@@ -1958,7 +1958,7 @@
           <a:p>
             <a:fld id="{2ABC02D7-CBD1-4D33-B166-78A898DF0F76}" type="datetimeFigureOut">
               <a:rPr kumimoji="1" lang="ja-JP" altLang="en-US" smtClean="0"/>
-              <a:t>2024/2/27</a:t>
+              <a:t>2024/2/29</a:t>
             </a:fld>
             <a:endParaRPr kumimoji="1" lang="ja-JP" altLang="en-US"/>
           </a:p>
@@ -2053,7 +2053,7 @@
           <a:p>
             <a:fld id="{2ABC02D7-CBD1-4D33-B166-78A898DF0F76}" type="datetimeFigureOut">
               <a:rPr kumimoji="1" lang="ja-JP" altLang="en-US" smtClean="0"/>
-              <a:t>2024/2/27</a:t>
+              <a:t>2024/2/29</a:t>
             </a:fld>
             <a:endParaRPr kumimoji="1" lang="ja-JP" altLang="en-US"/>
           </a:p>
@@ -2362,7 +2362,7 @@
           <a:p>
             <a:fld id="{2ABC02D7-CBD1-4D33-B166-78A898DF0F76}" type="datetimeFigureOut">
               <a:rPr kumimoji="1" lang="ja-JP" altLang="en-US" smtClean="0"/>
-              <a:t>2024/2/27</a:t>
+              <a:t>2024/2/29</a:t>
             </a:fld>
             <a:endParaRPr kumimoji="1" lang="ja-JP" altLang="en-US"/>
           </a:p>
@@ -2619,7 +2619,7 @@
           <a:p>
             <a:fld id="{2ABC02D7-CBD1-4D33-B166-78A898DF0F76}" type="datetimeFigureOut">
               <a:rPr kumimoji="1" lang="ja-JP" altLang="en-US" smtClean="0"/>
-              <a:t>2024/2/27</a:t>
+              <a:t>2024/2/29</a:t>
             </a:fld>
             <a:endParaRPr kumimoji="1" lang="ja-JP" altLang="en-US"/>
           </a:p>
@@ -2864,7 +2864,7 @@
           <a:p>
             <a:fld id="{2ABC02D7-CBD1-4D33-B166-78A898DF0F76}" type="datetimeFigureOut">
               <a:rPr kumimoji="1" lang="ja-JP" altLang="en-US" smtClean="0"/>
-              <a:t>2024/2/27</a:t>
+              <a:t>2024/2/29</a:t>
             </a:fld>
             <a:endParaRPr kumimoji="1" lang="ja-JP" altLang="en-US"/>
           </a:p>
@@ -5061,7 +5061,7 @@
                 <a:latin typeface="メイリオ" panose="020B0604030504040204" pitchFamily="50" charset="-128"/>
                 <a:ea typeface="メイリオ" panose="020B0604030504040204" pitchFamily="50" charset="-128"/>
               </a:rPr>
-              <a:t>2)</a:t>
+              <a:t>2 2)</a:t>
             </a:r>
             <a:r>
               <a:rPr kumimoji="1" lang="ja-JP" altLang="en-US" sz="2400" dirty="0">
@@ -5194,10 +5194,10 @@
       </p:sp>
       <p:sp>
         <p:nvSpPr>
-          <p:cNvPr id="9" name="テキスト ボックス 8">
+          <p:cNvPr id="10" name="テキスト ボックス 9">
             <a:extLst>
               <a:ext uri="{FF2B5EF4-FFF2-40B4-BE49-F238E27FC236}">
-                <a16:creationId xmlns:a16="http://schemas.microsoft.com/office/drawing/2014/main" id="{9F92C237-C157-31C6-9809-C49EA268DF87}"/>
+                <a16:creationId xmlns:a16="http://schemas.microsoft.com/office/drawing/2014/main" id="{F99B372D-1111-91F4-D04A-E33E022A71AF}"/>
               </a:ext>
             </a:extLst>
           </p:cNvPr>
@@ -5206,8 +5206,8 @@
         </p:nvSpPr>
         <p:spPr>
           <a:xfrm>
-            <a:off x="7480513" y="769245"/>
-            <a:ext cx="1226618" cy="461665"/>
+            <a:off x="599440" y="948464"/>
+            <a:ext cx="9462719" cy="369332"/>
           </a:xfrm>
           <a:prstGeom prst="rect">
             <a:avLst/>
@@ -5222,19 +5222,14 @@
           <a:p>
             <a:pPr algn="l"/>
             <a:r>
-              <a:rPr kumimoji="1" lang="en-US" altLang="ja-JP" sz="2400" dirty="0">
-                <a:solidFill>
-                  <a:srgbClr val="FF0000"/>
-                </a:solidFill>
-                <a:latin typeface="メイリオ" panose="020B0604030504040204" pitchFamily="50" charset="-128"/>
-                <a:ea typeface="メイリオ" panose="020B0604030504040204" pitchFamily="50" charset="-128"/>
-              </a:rPr>
-              <a:t>Git link</a:t>
-            </a:r>
-            <a:endParaRPr kumimoji="1" lang="ja-JP" altLang="en-US" sz="2400" dirty="0">
-              <a:solidFill>
-                <a:srgbClr val="FF0000"/>
-              </a:solidFill>
+              <a:rPr kumimoji="1" lang="en-US" altLang="ja-JP" dirty="0">
+                <a:latin typeface="メイリオ" panose="020B0604030504040204" pitchFamily="50" charset="-128"/>
+                <a:ea typeface="メイリオ" panose="020B0604030504040204" pitchFamily="50" charset="-128"/>
+                <a:hlinkClick r:id="rId4"/>
+              </a:rPr>
+              <a:t>https://github.com/ueharaLab/bigdata9_X-twitter-API/blob/main/twitter_API.md</a:t>
+            </a:r>
+            <a:endParaRPr kumimoji="1" lang="ja-JP" altLang="en-US" dirty="0">
               <a:latin typeface="メイリオ" panose="020B0604030504040204" pitchFamily="50" charset="-128"/>
               <a:ea typeface="メイリオ" panose="020B0604030504040204" pitchFamily="50" charset="-128"/>
             </a:endParaRPr>
@@ -5285,7 +5280,7 @@
         </p:nvSpPr>
         <p:spPr>
           <a:xfrm>
-            <a:off x="560439" y="489121"/>
+            <a:off x="560439" y="275584"/>
             <a:ext cx="3735318" cy="584775"/>
           </a:xfrm>
           <a:prstGeom prst="rect">
@@ -5406,55 +5401,6 @@
               </a:rPr>
               <a:t>が付与される</a:t>
             </a:r>
-          </a:p>
-        </p:txBody>
-      </p:sp>
-      <p:sp>
-        <p:nvSpPr>
-          <p:cNvPr id="6" name="テキスト ボックス 5">
-            <a:extLst>
-              <a:ext uri="{FF2B5EF4-FFF2-40B4-BE49-F238E27FC236}">
-                <a16:creationId xmlns:a16="http://schemas.microsoft.com/office/drawing/2014/main" id="{CCE1F664-54FC-3340-6867-25BF9519C8D2}"/>
-              </a:ext>
-            </a:extLst>
-          </p:cNvPr>
-          <p:cNvSpPr txBox="1"/>
-          <p:nvPr/>
-        </p:nvSpPr>
-        <p:spPr>
-          <a:xfrm>
-            <a:off x="7480513" y="769245"/>
-            <a:ext cx="1226618" cy="461665"/>
-          </a:xfrm>
-          <a:prstGeom prst="rect">
-            <a:avLst/>
-          </a:prstGeom>
-          <a:noFill/>
-        </p:spPr>
-        <p:txBody>
-          <a:bodyPr wrap="none" rtlCol="0">
-            <a:spAutoFit/>
-          </a:bodyPr>
-          <a:lstStyle/>
-          <a:p>
-            <a:pPr algn="l"/>
-            <a:r>
-              <a:rPr kumimoji="1" lang="en-US" altLang="ja-JP" sz="2400" dirty="0">
-                <a:solidFill>
-                  <a:srgbClr val="FF0000"/>
-                </a:solidFill>
-                <a:latin typeface="メイリオ" panose="020B0604030504040204" pitchFamily="50" charset="-128"/>
-                <a:ea typeface="メイリオ" panose="020B0604030504040204" pitchFamily="50" charset="-128"/>
-              </a:rPr>
-              <a:t>Git link</a:t>
-            </a:r>
-            <a:endParaRPr kumimoji="1" lang="ja-JP" altLang="en-US" sz="2400" dirty="0">
-              <a:solidFill>
-                <a:srgbClr val="FF0000"/>
-              </a:solidFill>
-              <a:latin typeface="メイリオ" panose="020B0604030504040204" pitchFamily="50" charset="-128"/>
-              <a:ea typeface="メイリオ" panose="020B0604030504040204" pitchFamily="50" charset="-128"/>
-            </a:endParaRPr>
           </a:p>
         </p:txBody>
       </p:sp>
@@ -5598,6 +5544,50 @@
               <a:t>Context </a:t>
             </a:r>
             <a:endParaRPr kumimoji="1" lang="ja-JP" altLang="en-US" sz="2400" dirty="0">
+              <a:latin typeface="メイリオ" panose="020B0604030504040204" pitchFamily="50" charset="-128"/>
+              <a:ea typeface="メイリオ" panose="020B0604030504040204" pitchFamily="50" charset="-128"/>
+            </a:endParaRPr>
+          </a:p>
+        </p:txBody>
+      </p:sp>
+      <p:sp>
+        <p:nvSpPr>
+          <p:cNvPr id="2" name="テキスト ボックス 1">
+            <a:extLst>
+              <a:ext uri="{FF2B5EF4-FFF2-40B4-BE49-F238E27FC236}">
+                <a16:creationId xmlns:a16="http://schemas.microsoft.com/office/drawing/2014/main" id="{DDCFF2F3-611A-DE44-0399-D577E64894FD}"/>
+              </a:ext>
+            </a:extLst>
+          </p:cNvPr>
+          <p:cNvSpPr txBox="1"/>
+          <p:nvPr/>
+        </p:nvSpPr>
+        <p:spPr>
+          <a:xfrm>
+            <a:off x="560439" y="730942"/>
+            <a:ext cx="10581999" cy="369332"/>
+          </a:xfrm>
+          <a:prstGeom prst="rect">
+            <a:avLst/>
+          </a:prstGeom>
+          <a:noFill/>
+        </p:spPr>
+        <p:txBody>
+          <a:bodyPr wrap="none" rtlCol="0">
+            <a:spAutoFit/>
+          </a:bodyPr>
+          <a:lstStyle/>
+          <a:p>
+            <a:pPr algn="l"/>
+            <a:r>
+              <a:rPr kumimoji="1" lang="en-US" altLang="ja-JP" dirty="0">
+                <a:latin typeface="メイリオ" panose="020B0604030504040204" pitchFamily="50" charset="-128"/>
+                <a:ea typeface="メイリオ" panose="020B0604030504040204" pitchFamily="50" charset="-128"/>
+                <a:hlinkClick r:id="rId4"/>
+              </a:rPr>
+              <a:t>https://github.com/ueharaLab/bigdata9_X-twitter-API/blob/main/twitter_API_variation.md</a:t>
+            </a:r>
+            <a:endParaRPr kumimoji="1" lang="ja-JP" altLang="en-US" dirty="0">
               <a:latin typeface="メイリオ" panose="020B0604030504040204" pitchFamily="50" charset="-128"/>
               <a:ea typeface="メイリオ" panose="020B0604030504040204" pitchFamily="50" charset="-128"/>
             </a:endParaRPr>
@@ -5691,7 +5681,7 @@
         </p:nvSpPr>
         <p:spPr>
           <a:xfrm>
-            <a:off x="1168400" y="3310549"/>
+            <a:off x="1168400" y="3802162"/>
             <a:ext cx="9855200" cy="3416320"/>
           </a:xfrm>
           <a:prstGeom prst="rect">
@@ -5804,7 +5794,7 @@
         </p:nvSpPr>
         <p:spPr>
           <a:xfrm>
-            <a:off x="890475" y="1228397"/>
+            <a:off x="805000" y="1172238"/>
             <a:ext cx="10905285" cy="1938992"/>
           </a:xfrm>
           <a:prstGeom prst="rect">
@@ -5998,7 +5988,7 @@
         </p:nvSpPr>
         <p:spPr>
           <a:xfrm>
-            <a:off x="890475" y="740404"/>
+            <a:off x="1067457" y="3221730"/>
             <a:ext cx="9395329" cy="830997"/>
           </a:xfrm>
           <a:prstGeom prst="rect">
@@ -6037,10 +6027,10 @@
       </p:sp>
       <p:sp>
         <p:nvSpPr>
-          <p:cNvPr id="6" name="テキスト ボックス 5">
+          <p:cNvPr id="7" name="テキスト ボックス 6">
             <a:extLst>
               <a:ext uri="{FF2B5EF4-FFF2-40B4-BE49-F238E27FC236}">
-                <a16:creationId xmlns:a16="http://schemas.microsoft.com/office/drawing/2014/main" id="{A67A2B77-DCF6-65E5-1C91-E1D2A2B9D372}"/>
+                <a16:creationId xmlns:a16="http://schemas.microsoft.com/office/drawing/2014/main" id="{873ED48B-213A-DAA0-CF59-6402129674BF}"/>
               </a:ext>
             </a:extLst>
           </p:cNvPr>
@@ -6049,8 +6039,8 @@
         </p:nvSpPr>
         <p:spPr>
           <a:xfrm>
-            <a:off x="7542036" y="265575"/>
-            <a:ext cx="1226618" cy="461665"/>
+            <a:off x="805000" y="692406"/>
+            <a:ext cx="10581999" cy="369332"/>
           </a:xfrm>
           <a:prstGeom prst="rect">
             <a:avLst/>
@@ -6065,19 +6055,14 @@
           <a:p>
             <a:pPr algn="l"/>
             <a:r>
-              <a:rPr kumimoji="1" lang="en-US" altLang="ja-JP" sz="2400" dirty="0">
-                <a:solidFill>
-                  <a:srgbClr val="FF0000"/>
-                </a:solidFill>
-                <a:latin typeface="メイリオ" panose="020B0604030504040204" pitchFamily="50" charset="-128"/>
-                <a:ea typeface="メイリオ" panose="020B0604030504040204" pitchFamily="50" charset="-128"/>
-              </a:rPr>
-              <a:t>Git link</a:t>
-            </a:r>
-            <a:endParaRPr kumimoji="1" lang="ja-JP" altLang="en-US" sz="2400" dirty="0">
-              <a:solidFill>
-                <a:srgbClr val="FF0000"/>
-              </a:solidFill>
+              <a:rPr kumimoji="1" lang="en-US" altLang="ja-JP" dirty="0">
+                <a:latin typeface="メイリオ" panose="020B0604030504040204" pitchFamily="50" charset="-128"/>
+                <a:ea typeface="メイリオ" panose="020B0604030504040204" pitchFamily="50" charset="-128"/>
+                <a:hlinkClick r:id="rId4"/>
+              </a:rPr>
+              <a:t>https://github.com/ueharaLab/bigdata9_X-twitter-API/blob/main/twitter_API_variation.md</a:t>
+            </a:r>
+            <a:endParaRPr kumimoji="1" lang="ja-JP" altLang="en-US" dirty="0">
               <a:latin typeface="メイリオ" panose="020B0604030504040204" pitchFamily="50" charset="-128"/>
               <a:ea typeface="メイリオ" panose="020B0604030504040204" pitchFamily="50" charset="-128"/>
             </a:endParaRPr>
